--- a/Notes/JAVASCRIPT NOTES.pptx
+++ b/Notes/JAVASCRIPT NOTES.pptx
@@ -171,6 +171,35 @@
 </p:presentation>
 </file>
 
+<file path=ppt/changesInfos/changesInfo1.xml><?xml version="1.0" encoding="utf-8"?>
+<pc:chgInfo xmlns:a="http://schemas.openxmlformats.org/drawingml/2006/main" xmlns:r="http://schemas.openxmlformats.org/officeDocument/2006/relationships" xmlns:ac="http://schemas.microsoft.com/office/drawing/2013/main/command" xmlns:pc="http://schemas.microsoft.com/office/powerpoint/2013/main/command">
+  <pc:docChgLst>
+    <pc:chgData name="HARSHITA LOKESH T" userId="a1b3769e61f0db76" providerId="LiveId" clId="{8D777AD1-733D-49C1-A811-237FA9DE55D1}"/>
+    <pc:docChg chg="modSld">
+      <pc:chgData name="HARSHITA LOKESH T" userId="a1b3769e61f0db76" providerId="LiveId" clId="{8D777AD1-733D-49C1-A811-237FA9DE55D1}" dt="2025-12-30T01:13:35.993" v="14" actId="255"/>
+      <pc:docMkLst>
+        <pc:docMk/>
+      </pc:docMkLst>
+      <pc:sldChg chg="modSp mod">
+        <pc:chgData name="HARSHITA LOKESH T" userId="a1b3769e61f0db76" providerId="LiveId" clId="{8D777AD1-733D-49C1-A811-237FA9DE55D1}" dt="2025-12-30T01:13:35.993" v="14" actId="255"/>
+        <pc:sldMkLst>
+          <pc:docMk/>
+          <pc:sldMk cId="336246904" sldId="270"/>
+        </pc:sldMkLst>
+        <pc:spChg chg="mod">
+          <ac:chgData name="HARSHITA LOKESH T" userId="a1b3769e61f0db76" providerId="LiveId" clId="{8D777AD1-733D-49C1-A811-237FA9DE55D1}" dt="2025-12-30T01:13:35.993" v="14" actId="255"/>
+          <ac:spMkLst>
+            <pc:docMk/>
+            <pc:sldMk cId="336246904" sldId="270"/>
+            <ac:spMk id="3" creationId="{9519478E-0B53-0843-92DE-BB4FD8485515}"/>
+          </ac:spMkLst>
+        </pc:spChg>
+      </pc:sldChg>
+    </pc:docChg>
+  </pc:docChgLst>
+</pc:chgInfo>
+</file>
+
 <file path=ppt/slideLayouts/slideLayout1.xml><?xml version="1.0" encoding="utf-8"?>
 <p:sldLayout xmlns:a="http://schemas.openxmlformats.org/drawingml/2006/main" xmlns:r="http://schemas.openxmlformats.org/officeDocument/2006/relationships" xmlns:p="http://schemas.openxmlformats.org/presentationml/2006/main" type="title" preserve="1">
   <p:cSld name="Title Slide">
@@ -357,7 +386,7 @@
           <a:p>
             <a:fld id="{E61C7D7A-53C3-4B6B-9A5C-7FA38BDE5A5E}" type="datetimeFigureOut">
               <a:rPr lang="en-IN" smtClean="0"/>
-              <a:t>05-10-2023</a:t>
+              <a:t>30-12-2025</a:t>
             </a:fld>
             <a:endParaRPr lang="en-IN"/>
           </a:p>
@@ -632,7 +661,7 @@
           <a:p>
             <a:fld id="{E61C7D7A-53C3-4B6B-9A5C-7FA38BDE5A5E}" type="datetimeFigureOut">
               <a:rPr lang="en-IN" smtClean="0"/>
-              <a:t>05-10-2023</a:t>
+              <a:t>30-12-2025</a:t>
             </a:fld>
             <a:endParaRPr lang="en-IN"/>
           </a:p>
@@ -826,7 +855,7 @@
           <a:p>
             <a:fld id="{E61C7D7A-53C3-4B6B-9A5C-7FA38BDE5A5E}" type="datetimeFigureOut">
               <a:rPr lang="en-IN" smtClean="0"/>
-              <a:t>05-10-2023</a:t>
+              <a:t>30-12-2025</a:t>
             </a:fld>
             <a:endParaRPr lang="en-IN"/>
           </a:p>
@@ -1099,7 +1128,7 @@
           <a:p>
             <a:fld id="{E61C7D7A-53C3-4B6B-9A5C-7FA38BDE5A5E}" type="datetimeFigureOut">
               <a:rPr lang="en-IN" smtClean="0"/>
-              <a:t>05-10-2023</a:t>
+              <a:t>30-12-2025</a:t>
             </a:fld>
             <a:endParaRPr lang="en-IN"/>
           </a:p>
@@ -1440,7 +1469,7 @@
           <a:p>
             <a:fld id="{E61C7D7A-53C3-4B6B-9A5C-7FA38BDE5A5E}" type="datetimeFigureOut">
               <a:rPr lang="en-IN" smtClean="0"/>
-              <a:t>05-10-2023</a:t>
+              <a:t>30-12-2025</a:t>
             </a:fld>
             <a:endParaRPr lang="en-IN"/>
           </a:p>
@@ -2063,7 +2092,7 @@
           <a:p>
             <a:fld id="{E61C7D7A-53C3-4B6B-9A5C-7FA38BDE5A5E}" type="datetimeFigureOut">
               <a:rPr lang="en-IN" smtClean="0"/>
-              <a:t>05-10-2023</a:t>
+              <a:t>30-12-2025</a:t>
             </a:fld>
             <a:endParaRPr lang="en-IN"/>
           </a:p>
@@ -2923,7 +2952,7 @@
           <a:p>
             <a:fld id="{E61C7D7A-53C3-4B6B-9A5C-7FA38BDE5A5E}" type="datetimeFigureOut">
               <a:rPr lang="en-IN" smtClean="0"/>
-              <a:t>05-10-2023</a:t>
+              <a:t>30-12-2025</a:t>
             </a:fld>
             <a:endParaRPr lang="en-IN"/>
           </a:p>
@@ -3093,7 +3122,7 @@
           <a:p>
             <a:fld id="{E61C7D7A-53C3-4B6B-9A5C-7FA38BDE5A5E}" type="datetimeFigureOut">
               <a:rPr lang="en-IN" smtClean="0"/>
-              <a:t>05-10-2023</a:t>
+              <a:t>30-12-2025</a:t>
             </a:fld>
             <a:endParaRPr lang="en-IN"/>
           </a:p>
@@ -3273,7 +3302,7 @@
           <a:p>
             <a:fld id="{E61C7D7A-53C3-4B6B-9A5C-7FA38BDE5A5E}" type="datetimeFigureOut">
               <a:rPr lang="en-IN" smtClean="0"/>
-              <a:t>05-10-2023</a:t>
+              <a:t>30-12-2025</a:t>
             </a:fld>
             <a:endParaRPr lang="en-IN"/>
           </a:p>
@@ -3502,7 +3531,7 @@
           <a:p>
             <a:fld id="{1D8BD707-D9CF-40AE-B4C6-C98DA3205C09}" type="datetimeFigureOut">
               <a:rPr lang="en-US"/>
-              <a:t>10/5/2023</a:t>
+              <a:t>12/30/2025</a:t>
             </a:fld>
             <a:endParaRPr lang="en-US"/>
           </a:p>
@@ -3662,7 +3691,7 @@
           <a:p>
             <a:fld id="{E61C7D7A-53C3-4B6B-9A5C-7FA38BDE5A5E}" type="datetimeFigureOut">
               <a:rPr lang="en-IN" smtClean="0"/>
-              <a:t>05-10-2023</a:t>
+              <a:t>30-12-2025</a:t>
             </a:fld>
             <a:endParaRPr lang="en-IN"/>
           </a:p>
@@ -3909,7 +3938,7 @@
           <a:p>
             <a:fld id="{E61C7D7A-53C3-4B6B-9A5C-7FA38BDE5A5E}" type="datetimeFigureOut">
               <a:rPr lang="en-IN" smtClean="0"/>
-              <a:t>05-10-2023</a:t>
+              <a:t>30-12-2025</a:t>
             </a:fld>
             <a:endParaRPr lang="en-IN"/>
           </a:p>
@@ -4201,7 +4230,7 @@
           <a:p>
             <a:fld id="{E61C7D7A-53C3-4B6B-9A5C-7FA38BDE5A5E}" type="datetimeFigureOut">
               <a:rPr lang="en-IN" smtClean="0"/>
-              <a:t>05-10-2023</a:t>
+              <a:t>30-12-2025</a:t>
             </a:fld>
             <a:endParaRPr lang="en-IN"/>
           </a:p>
@@ -4645,7 +4674,7 @@
           <a:p>
             <a:fld id="{E61C7D7A-53C3-4B6B-9A5C-7FA38BDE5A5E}" type="datetimeFigureOut">
               <a:rPr lang="en-IN" smtClean="0"/>
-              <a:t>05-10-2023</a:t>
+              <a:t>30-12-2025</a:t>
             </a:fld>
             <a:endParaRPr lang="en-IN"/>
           </a:p>
@@ -4763,7 +4792,7 @@
           <a:p>
             <a:fld id="{E61C7D7A-53C3-4B6B-9A5C-7FA38BDE5A5E}" type="datetimeFigureOut">
               <a:rPr lang="en-IN" smtClean="0"/>
-              <a:t>05-10-2023</a:t>
+              <a:t>30-12-2025</a:t>
             </a:fld>
             <a:endParaRPr lang="en-IN"/>
           </a:p>
@@ -4858,7 +4887,7 @@
           <a:p>
             <a:fld id="{E61C7D7A-53C3-4B6B-9A5C-7FA38BDE5A5E}" type="datetimeFigureOut">
               <a:rPr lang="en-IN" smtClean="0"/>
-              <a:t>05-10-2023</a:t>
+              <a:t>30-12-2025</a:t>
             </a:fld>
             <a:endParaRPr lang="en-IN"/>
           </a:p>
@@ -5137,7 +5166,7 @@
           <a:p>
             <a:fld id="{E61C7D7A-53C3-4B6B-9A5C-7FA38BDE5A5E}" type="datetimeFigureOut">
               <a:rPr lang="en-IN" smtClean="0"/>
-              <a:t>05-10-2023</a:t>
+              <a:t>30-12-2025</a:t>
             </a:fld>
             <a:endParaRPr lang="en-IN"/>
           </a:p>
@@ -5412,7 +5441,7 @@
           <a:p>
             <a:fld id="{E61C7D7A-53C3-4B6B-9A5C-7FA38BDE5A5E}" type="datetimeFigureOut">
               <a:rPr lang="en-IN" smtClean="0"/>
-              <a:t>05-10-2023</a:t>
+              <a:t>30-12-2025</a:t>
             </a:fld>
             <a:endParaRPr lang="en-IN"/>
           </a:p>
@@ -5841,7 +5870,7 @@
           <a:p>
             <a:fld id="{E61C7D7A-53C3-4B6B-9A5C-7FA38BDE5A5E}" type="datetimeFigureOut">
               <a:rPr lang="en-IN" smtClean="0"/>
-              <a:t>05-10-2023</a:t>
+              <a:t>30-12-2025</a:t>
             </a:fld>
             <a:endParaRPr lang="en-IN"/>
           </a:p>
@@ -8065,7 +8094,29 @@
           <a:p>
             <a:r>
               <a:rPr lang="en-US" dirty="0"/>
-              <a:t>Bigint : large amount of data</a:t>
+              <a:t>Bigint : large amount of data  </a:t>
+            </a:r>
+          </a:p>
+          <a:p>
+            <a:pPr marL="0" indent="0">
+              <a:buNone/>
+            </a:pPr>
+            <a:r>
+              <a:rPr lang="en-US" dirty="0"/>
+              <a:t>	</a:t>
+            </a:r>
+            <a:r>
+              <a:rPr lang="en-US" sz="1500" dirty="0"/>
+              <a:t>let big = 12345678901234567890n; </a:t>
+            </a:r>
+          </a:p>
+          <a:p>
+            <a:pPr marL="0" indent="0">
+              <a:buNone/>
+            </a:pPr>
+            <a:r>
+              <a:rPr lang="en-US" sz="1500" dirty="0"/>
+              <a:t>	-&gt; Ends with n</a:t>
             </a:r>
           </a:p>
           <a:p>
